--- a/OSL640-Week5.pptx
+++ b/OSL640-Week5.pptx
@@ -311,7 +311,7 @@
           <a:p>
             <a:fld id="{92107E4A-59D9-C648-BC62-133DA4EC414F}" type="datetimeFigureOut">
               <a:rPr lang="en-US" smtClean="0"/>
-              <a:t>9/6/2021</a:t>
+              <a:t>8/4/2023</a:t>
             </a:fld>
             <a:endParaRPr lang="en-US"/>
           </a:p>
@@ -717,7 +717,7 @@
           <a:p>
             <a:fld id="{4AB1357F-A277-7442-BEE7-4FE250216E54}" type="datetimeFigureOut">
               <a:rPr lang="en-US" smtClean="0"/>
-              <a:t>9/6/2021</a:t>
+              <a:t>8/4/2023</a:t>
             </a:fld>
             <a:endParaRPr lang="en-US"/>
           </a:p>
@@ -928,7 +928,7 @@
           <a:p>
             <a:fld id="{4AB1357F-A277-7442-BEE7-4FE250216E54}" type="datetimeFigureOut">
               <a:rPr lang="en-US" smtClean="0"/>
-              <a:t>9/6/2021</a:t>
+              <a:t>8/4/2023</a:t>
             </a:fld>
             <a:endParaRPr lang="en-US"/>
           </a:p>
@@ -1143,7 +1143,7 @@
           <a:p>
             <a:fld id="{4AB1357F-A277-7442-BEE7-4FE250216E54}" type="datetimeFigureOut">
               <a:rPr lang="en-US" smtClean="0"/>
-              <a:t>9/6/2021</a:t>
+              <a:t>8/4/2023</a:t>
             </a:fld>
             <a:endParaRPr lang="en-US"/>
           </a:p>
@@ -1344,7 +1344,7 @@
           <a:p>
             <a:fld id="{4AB1357F-A277-7442-BEE7-4FE250216E54}" type="datetimeFigureOut">
               <a:rPr lang="en-US" smtClean="0"/>
-              <a:t>9/6/2021</a:t>
+              <a:t>8/4/2023</a:t>
             </a:fld>
             <a:endParaRPr lang="en-US"/>
           </a:p>
@@ -1623,7 +1623,7 @@
           <a:p>
             <a:fld id="{4AB1357F-A277-7442-BEE7-4FE250216E54}" type="datetimeFigureOut">
               <a:rPr lang="en-US" smtClean="0"/>
-              <a:t>9/6/2021</a:t>
+              <a:t>8/4/2023</a:t>
             </a:fld>
             <a:endParaRPr lang="en-US"/>
           </a:p>
@@ -1891,7 +1891,7 @@
           <a:p>
             <a:fld id="{4AB1357F-A277-7442-BEE7-4FE250216E54}" type="datetimeFigureOut">
               <a:rPr lang="en-US" smtClean="0"/>
-              <a:t>9/6/2021</a:t>
+              <a:t>8/4/2023</a:t>
             </a:fld>
             <a:endParaRPr lang="en-US"/>
           </a:p>
@@ -2307,7 +2307,7 @@
           <a:p>
             <a:fld id="{4AB1357F-A277-7442-BEE7-4FE250216E54}" type="datetimeFigureOut">
               <a:rPr lang="en-US" smtClean="0"/>
-              <a:t>9/6/2021</a:t>
+              <a:t>8/4/2023</a:t>
             </a:fld>
             <a:endParaRPr lang="en-US"/>
           </a:p>
@@ -2456,7 +2456,7 @@
           <a:p>
             <a:fld id="{4AB1357F-A277-7442-BEE7-4FE250216E54}" type="datetimeFigureOut">
               <a:rPr lang="en-US" smtClean="0"/>
-              <a:t>9/6/2021</a:t>
+              <a:t>8/4/2023</a:t>
             </a:fld>
             <a:endParaRPr lang="en-US"/>
           </a:p>
@@ -2582,7 +2582,7 @@
           <a:p>
             <a:fld id="{4AB1357F-A277-7442-BEE7-4FE250216E54}" type="datetimeFigureOut">
               <a:rPr lang="en-US" smtClean="0"/>
-              <a:t>9/6/2021</a:t>
+              <a:t>8/4/2023</a:t>
             </a:fld>
             <a:endParaRPr lang="en-US"/>
           </a:p>
@@ -2833,7 +2833,7 @@
           <a:p>
             <a:fld id="{4AB1357F-A277-7442-BEE7-4FE250216E54}" type="datetimeFigureOut">
               <a:rPr lang="en-US" smtClean="0"/>
-              <a:t>9/6/2021</a:t>
+              <a:t>8/4/2023</a:t>
             </a:fld>
             <a:endParaRPr lang="en-US"/>
           </a:p>
@@ -3278,7 +3278,7 @@
           <a:p>
             <a:fld id="{4AB1357F-A277-7442-BEE7-4FE250216E54}" type="datetimeFigureOut">
               <a:rPr lang="en-US" smtClean="0"/>
-              <a:t>9/6/2021</a:t>
+              <a:t>8/4/2023</a:t>
             </a:fld>
             <a:endParaRPr lang="en-US"/>
           </a:p>
@@ -3605,7 +3605,7 @@
           <a:p>
             <a:fld id="{4AB1357F-A277-7442-BEE7-4FE250216E54}" type="datetimeFigureOut">
               <a:rPr lang="en-US" smtClean="0"/>
-              <a:t>9/6/2021</a:t>
+              <a:t>8/4/2023</a:t>
             </a:fld>
             <a:endParaRPr lang="en-US"/>
           </a:p>
@@ -6192,13 +6192,6 @@
               <a:t>Review Questions (Questions 5 – 12)</a:t>
             </a:r>
           </a:p>
-          <a:p>
-            <a:pPr lvl="1"/>
-            <a:r>
-              <a:rPr lang="en-US" b="1" dirty="0"/>
-              <a:t>Work on Assignment 2 (Section 3:  Redirection &amp; Pipes)</a:t>
-            </a:r>
-          </a:p>
         </p:txBody>
       </p:sp>
     </p:spTree>
@@ -6563,37 +6556,6 @@
                                           <p:spTgt spid="3">
                                             <p:txEl>
                                               <p:pRg st="9" end="9"/>
-                                            </p:txEl>
-                                          </p:spTgt>
-                                        </p:tgtEl>
-                                        <p:attrNameLst>
-                                          <p:attrName>style.visibility</p:attrName>
-                                        </p:attrNameLst>
-                                      </p:cBhvr>
-                                      <p:to>
-                                        <p:strVal val="visible"/>
-                                      </p:to>
-                                    </p:set>
-                                  </p:childTnLst>
-                                </p:cTn>
-                              </p:par>
-                              <p:par>
-                                <p:cTn id="29" presetID="1" presetClass="entr" presetSubtype="0" fill="hold" grpId="0" nodeType="withEffect">
-                                  <p:stCondLst>
-                                    <p:cond delay="0"/>
-                                  </p:stCondLst>
-                                  <p:childTnLst>
-                                    <p:set>
-                                      <p:cBhvr>
-                                        <p:cTn id="30" dur="1" fill="hold">
-                                          <p:stCondLst>
-                                            <p:cond delay="0"/>
-                                          </p:stCondLst>
-                                        </p:cTn>
-                                        <p:tgtEl>
-                                          <p:spTgt spid="3">
-                                            <p:txEl>
-                                              <p:pRg st="10" end="10"/>
                                             </p:txEl>
                                           </p:spTgt>
                                         </p:tgtEl>
@@ -16537,15 +16499,6 @@
 </file>
 
 <file path=customXml/item1.xml><?xml version="1.0" encoding="utf-8"?>
-<?mso-contentType ?>
-<FormTemplates xmlns="http://schemas.microsoft.com/sharepoint/v3/contenttype/forms">
-  <Display>DocumentLibraryForm</Display>
-  <Edit>DocumentLibraryForm</Edit>
-  <New>DocumentLibraryForm</New>
-</FormTemplates>
-</file>
-
-<file path=customXml/item2.xml><?xml version="1.0" encoding="utf-8"?>
 <ct:contentTypeSchema xmlns:ct="http://schemas.microsoft.com/office/2006/metadata/contentType" xmlns:ma="http://schemas.microsoft.com/office/2006/metadata/properties/metaAttributes" ct:_="" ma:_="" ma:contentTypeName="Document" ma:contentTypeID="0x01010056452DA2941485459CFE4F1403BD78A3" ma:contentTypeVersion="9" ma:contentTypeDescription="Create a new document." ma:contentTypeScope="" ma:versionID="357b321f808c3dafe873831e74252754">
   <xsd:schema xmlns:xsd="http://www.w3.org/2001/XMLSchema" xmlns:xs="http://www.w3.org/2001/XMLSchema" xmlns:p="http://schemas.microsoft.com/office/2006/metadata/properties" xmlns:ns2="83d6e24e-72d9-475f-86bc-baec43385f3c" targetNamespace="http://schemas.microsoft.com/office/2006/metadata/properties" ma:root="true" ma:fieldsID="420a8f89f5a6e51c7100d689e8b47153" ns2:_="">
     <xsd:import namespace="83d6e24e-72d9-475f-86bc-baec43385f3c"/>
@@ -16725,6 +16678,15 @@
 </ct:contentTypeSchema>
 </file>
 
+<file path=customXml/item2.xml><?xml version="1.0" encoding="utf-8"?>
+<?mso-contentType ?>
+<FormTemplates xmlns="http://schemas.microsoft.com/sharepoint/v3/contenttype/forms">
+  <Display>DocumentLibraryForm</Display>
+  <Edit>DocumentLibraryForm</Edit>
+  <New>DocumentLibraryForm</New>
+</FormTemplates>
+</file>
+
 <file path=customXml/item3.xml><?xml version="1.0" encoding="utf-8"?>
 <p:properties xmlns:p="http://schemas.microsoft.com/office/2006/metadata/properties" xmlns:xsi="http://www.w3.org/2001/XMLSchema-instance" xmlns:pc="http://schemas.microsoft.com/office/infopath/2007/PartnerControls">
   <documentManagement>
@@ -16734,14 +16696,6 @@
 </file>
 
 <file path=customXml/itemProps1.xml><?xml version="1.0" encoding="utf-8"?>
-<ds:datastoreItem xmlns:ds="http://schemas.openxmlformats.org/officeDocument/2006/customXml" ds:itemID="{5E23A5CF-8246-4E2A-ADC8-0B491EE15185}">
-  <ds:schemaRefs>
-    <ds:schemaRef ds:uri="http://schemas.microsoft.com/sharepoint/v3/contenttype/forms"/>
-  </ds:schemaRefs>
-</ds:datastoreItem>
-</file>
-
-<file path=customXml/itemProps2.xml><?xml version="1.0" encoding="utf-8"?>
 <ds:datastoreItem xmlns:ds="http://schemas.openxmlformats.org/officeDocument/2006/customXml" ds:itemID="{2A7FEDBD-06D2-4F6D-A4BF-CBA3111371DA}">
   <ds:schemaRefs>
     <ds:schemaRef ds:uri="http://schemas.microsoft.com/office/2006/metadata/contentType"/>
@@ -16755,6 +16709,14 @@
     <ds:schemaRef ds:uri="http://purl.org/dc/elements/1.1/"/>
     <ds:schemaRef ds:uri="http://purl.org/dc/terms/"/>
     <ds:schemaRef ds:uri="http://schemas.microsoft.com/internal/obd"/>
+  </ds:schemaRefs>
+</ds:datastoreItem>
+</file>
+
+<file path=customXml/itemProps2.xml><?xml version="1.0" encoding="utf-8"?>
+<ds:datastoreItem xmlns:ds="http://schemas.openxmlformats.org/officeDocument/2006/customXml" ds:itemID="{5E23A5CF-8246-4E2A-ADC8-0B491EE15185}">
+  <ds:schemaRefs>
+    <ds:schemaRef ds:uri="http://schemas.microsoft.com/sharepoint/v3/contenttype/forms"/>
   </ds:schemaRefs>
 </ds:datastoreItem>
 </file>
